--- a/FantasyFootball1.pptx
+++ b/FantasyFootball1.pptx
@@ -5,23 +5,24 @@
     <p:sldMasterId id="2147483648" r:id="rId1"/>
   </p:sldMasterIdLst>
   <p:notesMasterIdLst>
-    <p:notesMasterId r:id="rId13"/>
+    <p:notesMasterId r:id="rId14"/>
   </p:notesMasterIdLst>
   <p:handoutMasterIdLst>
-    <p:handoutMasterId r:id="rId14"/>
+    <p:handoutMasterId r:id="rId15"/>
   </p:handoutMasterIdLst>
   <p:sldIdLst>
     <p:sldId id="256" r:id="rId2"/>
-    <p:sldId id="263" r:id="rId3"/>
+    <p:sldId id="267" r:id="rId3"/>
     <p:sldId id="257" r:id="rId4"/>
     <p:sldId id="264" r:id="rId5"/>
     <p:sldId id="261" r:id="rId6"/>
     <p:sldId id="262" r:id="rId7"/>
     <p:sldId id="259" r:id="rId8"/>
-    <p:sldId id="266" r:id="rId9"/>
-    <p:sldId id="258" r:id="rId10"/>
-    <p:sldId id="260" r:id="rId11"/>
-    <p:sldId id="265" r:id="rId12"/>
+    <p:sldId id="263" r:id="rId9"/>
+    <p:sldId id="266" r:id="rId10"/>
+    <p:sldId id="258" r:id="rId11"/>
+    <p:sldId id="260" r:id="rId12"/>
+    <p:sldId id="265" r:id="rId13"/>
   </p:sldIdLst>
   <p:sldSz cx="9144000" cy="6858000" type="screen4x3"/>
   <p:notesSz cx="6858000" cy="9144000"/>
@@ -205,7 +206,8 @@
           <a:p>
             <a:fld id="{D644429A-92C1-FA45-8129-6F4E01FF8549}" type="datetimeFigureOut">
               <a:rPr lang="en-US" smtClean="0"/>
-              <a:t>11/14/16</a:t>
+              <a:pPr/>
+              <a:t>11/15/16</a:t>
             </a:fld>
             <a:endParaRPr lang="en-US"/>
           </a:p>
@@ -271,6 +273,7 @@
           <a:p>
             <a:fld id="{D6C6C4F2-60A9-6D4B-87D3-D83B1A3EC241}" type="slidenum">
               <a:rPr lang="en-US" smtClean="0"/>
+              <a:pPr/>
               <a:t>‹#›</a:t>
             </a:fld>
             <a:endParaRPr lang="en-US"/>
@@ -366,7 +369,8 @@
           <a:p>
             <a:fld id="{BD1EA806-E014-B743-8306-037F0F6687AF}" type="datetimeFigureOut">
               <a:rPr lang="en-US" smtClean="0"/>
-              <a:t>11/14/16</a:t>
+              <a:pPr/>
+              <a:t>11/15/16</a:t>
             </a:fld>
             <a:endParaRPr lang="en-US"/>
           </a:p>
@@ -527,6 +531,7 @@
           <a:p>
             <a:fld id="{AC139F8E-6B96-2C45-BC3C-5FF08DC41DE4}" type="slidenum">
               <a:rPr lang="en-US" smtClean="0"/>
+              <a:pPr/>
               <a:t>‹#›</a:t>
             </a:fld>
             <a:endParaRPr lang="en-US"/>
@@ -813,7 +818,8 @@
           <a:p>
             <a:fld id="{9D2E3EEA-A89E-E645-BB48-9E96C4BFBE7C}" type="datetime1">
               <a:rPr lang="en-US" smtClean="0"/>
-              <a:t>11/14/16</a:t>
+              <a:pPr/>
+              <a:t>11/15/16</a:t>
             </a:fld>
             <a:endParaRPr lang="en-US"/>
           </a:p>
@@ -855,6 +861,7 @@
           <a:p>
             <a:fld id="{76B36E0C-19D0-DF43-BB60-D2653AA90B08}" type="slidenum">
               <a:rPr lang="en-US" smtClean="0"/>
+              <a:pPr/>
               <a:t>‹#›</a:t>
             </a:fld>
             <a:endParaRPr lang="en-US"/>
@@ -978,7 +985,8 @@
           <a:p>
             <a:fld id="{84ADBB2D-30DA-0745-A9BE-5B3FC723F150}" type="datetime1">
               <a:rPr lang="en-US" smtClean="0"/>
-              <a:t>11/14/16</a:t>
+              <a:pPr/>
+              <a:t>11/15/16</a:t>
             </a:fld>
             <a:endParaRPr lang="en-US"/>
           </a:p>
@@ -1020,6 +1028,7 @@
           <a:p>
             <a:fld id="{76B36E0C-19D0-DF43-BB60-D2653AA90B08}" type="slidenum">
               <a:rPr lang="en-US" smtClean="0"/>
+              <a:pPr/>
               <a:t>‹#›</a:t>
             </a:fld>
             <a:endParaRPr lang="en-US"/>
@@ -1153,7 +1162,8 @@
           <a:p>
             <a:fld id="{00F99B60-7985-BC4C-99BC-6D754BE588EE}" type="datetime1">
               <a:rPr lang="en-US" smtClean="0"/>
-              <a:t>11/14/16</a:t>
+              <a:pPr/>
+              <a:t>11/15/16</a:t>
             </a:fld>
             <a:endParaRPr lang="en-US"/>
           </a:p>
@@ -1195,6 +1205,7 @@
           <a:p>
             <a:fld id="{76B36E0C-19D0-DF43-BB60-D2653AA90B08}" type="slidenum">
               <a:rPr lang="en-US" smtClean="0"/>
+              <a:pPr/>
               <a:t>‹#›</a:t>
             </a:fld>
             <a:endParaRPr lang="en-US"/>
@@ -1318,7 +1329,8 @@
           <a:p>
             <a:fld id="{61500C49-96E3-5542-99D3-BFB563B5CBB2}" type="datetime1">
               <a:rPr lang="en-US" smtClean="0"/>
-              <a:t>11/14/16</a:t>
+              <a:pPr/>
+              <a:t>11/15/16</a:t>
             </a:fld>
             <a:endParaRPr lang="en-US"/>
           </a:p>
@@ -1360,6 +1372,7 @@
           <a:p>
             <a:fld id="{76B36E0C-19D0-DF43-BB60-D2653AA90B08}" type="slidenum">
               <a:rPr lang="en-US" smtClean="0"/>
+              <a:pPr/>
               <a:t>‹#›</a:t>
             </a:fld>
             <a:endParaRPr lang="en-US"/>
@@ -1559,7 +1572,8 @@
           <a:p>
             <a:fld id="{B33A3FC2-CE44-F64C-8BA8-D66A272A3DF8}" type="datetime1">
               <a:rPr lang="en-US" smtClean="0"/>
-              <a:t>11/14/16</a:t>
+              <a:pPr/>
+              <a:t>11/15/16</a:t>
             </a:fld>
             <a:endParaRPr lang="en-US"/>
           </a:p>
@@ -1601,6 +1615,7 @@
           <a:p>
             <a:fld id="{76B36E0C-19D0-DF43-BB60-D2653AA90B08}" type="slidenum">
               <a:rPr lang="en-US" smtClean="0"/>
+              <a:pPr/>
               <a:t>‹#›</a:t>
             </a:fld>
             <a:endParaRPr lang="en-US"/>
@@ -1842,7 +1857,8 @@
           <a:p>
             <a:fld id="{5D0D6BA6-C1E6-634D-9766-0F9A6FC4EB42}" type="datetime1">
               <a:rPr lang="en-US" smtClean="0"/>
-              <a:t>11/14/16</a:t>
+              <a:pPr/>
+              <a:t>11/15/16</a:t>
             </a:fld>
             <a:endParaRPr lang="en-US"/>
           </a:p>
@@ -1884,6 +1900,7 @@
           <a:p>
             <a:fld id="{76B36E0C-19D0-DF43-BB60-D2653AA90B08}" type="slidenum">
               <a:rPr lang="en-US" smtClean="0"/>
+              <a:pPr/>
               <a:t>‹#›</a:t>
             </a:fld>
             <a:endParaRPr lang="en-US"/>
@@ -2259,7 +2276,8 @@
           <a:p>
             <a:fld id="{CBFC65C4-EBAE-B547-B7AF-59F762EF9842}" type="datetime1">
               <a:rPr lang="en-US" smtClean="0"/>
-              <a:t>11/14/16</a:t>
+              <a:pPr/>
+              <a:t>11/15/16</a:t>
             </a:fld>
             <a:endParaRPr lang="en-US"/>
           </a:p>
@@ -2301,6 +2319,7 @@
           <a:p>
             <a:fld id="{76B36E0C-19D0-DF43-BB60-D2653AA90B08}" type="slidenum">
               <a:rPr lang="en-US" smtClean="0"/>
+              <a:pPr/>
               <a:t>‹#›</a:t>
             </a:fld>
             <a:endParaRPr lang="en-US"/>
@@ -2372,7 +2391,8 @@
           <a:p>
             <a:fld id="{9EB35F80-AC52-AF4C-9C3D-64E9F82F9FB9}" type="datetime1">
               <a:rPr lang="en-US" smtClean="0"/>
-              <a:t>11/14/16</a:t>
+              <a:pPr/>
+              <a:t>11/15/16</a:t>
             </a:fld>
             <a:endParaRPr lang="en-US"/>
           </a:p>
@@ -2414,6 +2434,7 @@
           <a:p>
             <a:fld id="{76B36E0C-19D0-DF43-BB60-D2653AA90B08}" type="slidenum">
               <a:rPr lang="en-US" smtClean="0"/>
+              <a:pPr/>
               <a:t>‹#›</a:t>
             </a:fld>
             <a:endParaRPr lang="en-US"/>
@@ -2462,7 +2483,8 @@
           <a:p>
             <a:fld id="{A819F4D6-933F-AE41-845C-89734309662C}" type="datetime1">
               <a:rPr lang="en-US" smtClean="0"/>
-              <a:t>11/14/16</a:t>
+              <a:pPr/>
+              <a:t>11/15/16</a:t>
             </a:fld>
             <a:endParaRPr lang="en-US"/>
           </a:p>
@@ -2504,6 +2526,7 @@
           <a:p>
             <a:fld id="{76B36E0C-19D0-DF43-BB60-D2653AA90B08}" type="slidenum">
               <a:rPr lang="en-US" smtClean="0"/>
+              <a:pPr/>
               <a:t>‹#›</a:t>
             </a:fld>
             <a:endParaRPr lang="en-US"/>
@@ -2734,7 +2757,8 @@
           <a:p>
             <a:fld id="{C683E120-5AAD-6349-8A15-76B7079E6737}" type="datetime1">
               <a:rPr lang="en-US" smtClean="0"/>
-              <a:t>11/14/16</a:t>
+              <a:pPr/>
+              <a:t>11/15/16</a:t>
             </a:fld>
             <a:endParaRPr lang="en-US"/>
           </a:p>
@@ -2776,6 +2800,7 @@
           <a:p>
             <a:fld id="{76B36E0C-19D0-DF43-BB60-D2653AA90B08}" type="slidenum">
               <a:rPr lang="en-US" smtClean="0"/>
+              <a:pPr/>
               <a:t>‹#›</a:t>
             </a:fld>
             <a:endParaRPr lang="en-US"/>
@@ -2982,7 +3007,8 @@
           <a:p>
             <a:fld id="{DDF97126-AAAE-404B-82DE-A386EAD256AC}" type="datetime1">
               <a:rPr lang="en-US" smtClean="0"/>
-              <a:t>11/14/16</a:t>
+              <a:pPr/>
+              <a:t>11/15/16</a:t>
             </a:fld>
             <a:endParaRPr lang="en-US"/>
           </a:p>
@@ -3024,6 +3050,7 @@
           <a:p>
             <a:fld id="{76B36E0C-19D0-DF43-BB60-D2653AA90B08}" type="slidenum">
               <a:rPr lang="en-US" smtClean="0"/>
+              <a:pPr/>
               <a:t>‹#›</a:t>
             </a:fld>
             <a:endParaRPr lang="en-US"/>
@@ -3190,7 +3217,8 @@
           <a:p>
             <a:fld id="{5126C3A3-731B-0E49-BB74-C91CAA5406ED}" type="datetime1">
               <a:rPr lang="en-US" smtClean="0"/>
-              <a:t>11/14/16</a:t>
+              <a:pPr/>
+              <a:t>11/15/16</a:t>
             </a:fld>
             <a:endParaRPr lang="en-US"/>
           </a:p>
@@ -3268,6 +3296,7 @@
           <a:p>
             <a:fld id="{76B36E0C-19D0-DF43-BB60-D2653AA90B08}" type="slidenum">
               <a:rPr lang="en-US" smtClean="0"/>
+              <a:pPr/>
               <a:t>‹#›</a:t>
             </a:fld>
             <a:endParaRPr lang="en-US"/>
@@ -3626,6 +3655,7 @@
           <a:p>
             <a:fld id="{76B36E0C-19D0-DF43-BB60-D2653AA90B08}" type="slidenum">
               <a:rPr lang="en-US" smtClean="0"/>
+              <a:pPr/>
               <a:t>1</a:t>
             </a:fld>
             <a:endParaRPr lang="en-US"/>
@@ -3641,6 +3671,117 @@
 </file>
 
 <file path=ppt/slides/slide10.xml><?xml version="1.0" encoding="utf-8"?>
+<p:sld xmlns:a="http://schemas.openxmlformats.org/drawingml/2006/main" xmlns:r="http://schemas.openxmlformats.org/officeDocument/2006/relationships" xmlns:mc="http://schemas.openxmlformats.org/markup-compatibility/2006" xmlns:mv="urn:schemas-microsoft-com:mac:vml" xmlns:p="http://schemas.openxmlformats.org/presentationml/2006/main" mc:Ignorable="mv" mc:PreserveAttributes="mv:*">
+  <p:cSld>
+    <p:spTree>
+      <p:nvGrpSpPr>
+        <p:cNvPr id="1" name=""/>
+        <p:cNvGrpSpPr/>
+        <p:nvPr/>
+      </p:nvGrpSpPr>
+      <p:grpSpPr>
+        <a:xfrm>
+          <a:off x="0" y="0"/>
+          <a:ext cx="0" cy="0"/>
+          <a:chOff x="0" y="0"/>
+          <a:chExt cx="0" cy="0"/>
+        </a:xfrm>
+      </p:grpSpPr>
+      <p:sp>
+        <p:nvSpPr>
+          <p:cNvPr id="2" name="Title 1"/>
+          <p:cNvSpPr>
+            <a:spLocks noGrp="1"/>
+          </p:cNvSpPr>
+          <p:nvPr>
+            <p:ph type="title"/>
+          </p:nvPr>
+        </p:nvSpPr>
+        <p:spPr/>
+        <p:txBody>
+          <a:bodyPr/>
+          <a:lstStyle/>
+          <a:p>
+            <a:r>
+              <a:rPr lang="en-US" dirty="0" smtClean="0"/>
+              <a:t>Tom Brady Week 10 Distribution</a:t>
+            </a:r>
+            <a:endParaRPr lang="en-US" dirty="0"/>
+          </a:p>
+        </p:txBody>
+      </p:sp>
+      <p:pic>
+        <p:nvPicPr>
+          <p:cNvPr id="4" name="Content Placeholder 3" descr="tomBweek10Pred.pdf"/>
+          <p:cNvPicPr>
+            <a:picLocks noGrp="1" noChangeAspect="1"/>
+          </p:cNvPicPr>
+          <p:nvPr>
+            <p:ph idx="1"/>
+          </p:nvPr>
+        </p:nvPicPr>
+        <mc:AlternateContent>
+          <mc:Choice xmlns:ma="http://schemas.microsoft.com/office/mac/drawingml/2008/main" Requires="ma">
+            <p:blipFill>
+              <a:blip r:embed="rId2"/>
+              <a:srcRect l="-10610" r="-10610"/>
+              <a:stretch>
+                <a:fillRect/>
+              </a:stretch>
+            </p:blipFill>
+          </mc:Choice>
+          <mc:Fallback>
+            <p:blipFill>
+              <a:blip r:embed="rId3"/>
+              <a:srcRect l="-10610" r="-10610"/>
+              <a:stretch>
+                <a:fillRect/>
+              </a:stretch>
+            </p:blipFill>
+          </mc:Fallback>
+        </mc:AlternateContent>
+        <p:spPr/>
+      </p:pic>
+      <p:sp>
+        <p:nvSpPr>
+          <p:cNvPr id="5" name="Slide Number Placeholder 4"/>
+          <p:cNvSpPr>
+            <a:spLocks noGrp="1"/>
+          </p:cNvSpPr>
+          <p:nvPr>
+            <p:ph type="sldNum" sz="quarter" idx="12"/>
+          </p:nvPr>
+        </p:nvSpPr>
+        <p:spPr/>
+        <p:txBody>
+          <a:bodyPr/>
+          <a:lstStyle/>
+          <a:p>
+            <a:fld id="{76B36E0C-19D0-DF43-BB60-D2653AA90B08}" type="slidenum">
+              <a:rPr lang="en-US" smtClean="0"/>
+              <a:pPr/>
+              <a:t>10</a:t>
+            </a:fld>
+            <a:endParaRPr lang="en-US"/>
+          </a:p>
+        </p:txBody>
+      </p:sp>
+    </p:spTree>
+  </p:cSld>
+  <p:clrMapOvr>
+    <a:masterClrMapping/>
+  </p:clrMapOvr>
+  <p:timing>
+    <p:tnLst>
+      <p:par>
+        <p:cTn id="1" dur="indefinite" restart="never" nodeType="tmRoot"/>
+      </p:par>
+    </p:tnLst>
+  </p:timing>
+</p:sld>
+</file>
+
+<file path=ppt/slides/slide11.xml><?xml version="1.0" encoding="utf-8"?>
 <p:sld xmlns:a="http://schemas.openxmlformats.org/drawingml/2006/main" xmlns:r="http://schemas.openxmlformats.org/officeDocument/2006/relationships" xmlns:mc="http://schemas.openxmlformats.org/markup-compatibility/2006" xmlns:mv="urn:schemas-microsoft-com:mac:vml" xmlns:p="http://schemas.openxmlformats.org/presentationml/2006/main" mc:Ignorable="mv" mc:PreserveAttributes="mv:*">
   <p:cSld>
     <p:spTree>
@@ -3733,7 +3874,8 @@
           <a:p>
             <a:fld id="{76B36E0C-19D0-DF43-BB60-D2653AA90B08}" type="slidenum">
               <a:rPr lang="en-US" smtClean="0"/>
-              <a:t>10</a:t>
+              <a:pPr/>
+              <a:t>11</a:t>
             </a:fld>
             <a:endParaRPr lang="en-US"/>
           </a:p>
@@ -3783,7 +3925,7 @@
 </p:sld>
 </file>
 
-<file path=ppt/slides/slide11.xml><?xml version="1.0" encoding="utf-8"?>
+<file path=ppt/slides/slide12.xml><?xml version="1.0" encoding="utf-8"?>
 <p:sld xmlns:a="http://schemas.openxmlformats.org/drawingml/2006/main" xmlns:r="http://schemas.openxmlformats.org/officeDocument/2006/relationships" xmlns:mc="http://schemas.openxmlformats.org/markup-compatibility/2006" xmlns:mv="urn:schemas-microsoft-com:mac:vml" xmlns:p="http://schemas.openxmlformats.org/presentationml/2006/main" mc:Ignorable="mv" mc:PreserveAttributes="mv:*">
   <p:cSld>
     <p:spTree>
@@ -3914,7 +4056,8 @@
           <a:p>
             <a:fld id="{76B36E0C-19D0-DF43-BB60-D2653AA90B08}" type="slidenum">
               <a:rPr lang="en-US" smtClean="0"/>
-              <a:t>11</a:t>
+              <a:pPr/>
+              <a:t>12</a:t>
             </a:fld>
             <a:endParaRPr lang="en-US"/>
           </a:p>
@@ -3929,6 +4072,777 @@
 </file>
 
 <file path=ppt/slides/slide2.xml><?xml version="1.0" encoding="utf-8"?>
+<p:sld xmlns:a="http://schemas.openxmlformats.org/drawingml/2006/main" xmlns:r="http://schemas.openxmlformats.org/officeDocument/2006/relationships" xmlns:mc="http://schemas.openxmlformats.org/markup-compatibility/2006" xmlns:mv="urn:schemas-microsoft-com:mac:vml" xmlns:p="http://schemas.openxmlformats.org/presentationml/2006/main" mc:Ignorable="mv" mc:PreserveAttributes="mv:*">
+  <p:cSld>
+    <p:spTree>
+      <p:nvGrpSpPr>
+        <p:cNvPr id="1" name=""/>
+        <p:cNvGrpSpPr/>
+        <p:nvPr/>
+      </p:nvGrpSpPr>
+      <p:grpSpPr>
+        <a:xfrm>
+          <a:off x="0" y="0"/>
+          <a:ext cx="0" cy="0"/>
+          <a:chOff x="0" y="0"/>
+          <a:chExt cx="0" cy="0"/>
+        </a:xfrm>
+      </p:grpSpPr>
+      <p:sp>
+        <p:nvSpPr>
+          <p:cNvPr id="2" name="Title 1"/>
+          <p:cNvSpPr>
+            <a:spLocks noGrp="1"/>
+          </p:cNvSpPr>
+          <p:nvPr>
+            <p:ph type="title"/>
+          </p:nvPr>
+        </p:nvSpPr>
+        <p:spPr/>
+        <p:txBody>
+          <a:bodyPr/>
+          <a:lstStyle/>
+          <a:p>
+            <a:r>
+              <a:rPr lang="en-US" dirty="0" smtClean="0"/>
+              <a:t>Predicting </a:t>
+            </a:r>
+            <a:r>
+              <a:rPr lang="en-US" smtClean="0"/>
+              <a:t>Fantasy Points</a:t>
+            </a:r>
+            <a:endParaRPr lang="en-US" dirty="0"/>
+          </a:p>
+        </p:txBody>
+      </p:sp>
+      <p:sp>
+        <p:nvSpPr>
+          <p:cNvPr id="3" name="Content Placeholder 2"/>
+          <p:cNvSpPr>
+            <a:spLocks noGrp="1"/>
+          </p:cNvSpPr>
+          <p:nvPr>
+            <p:ph idx="1"/>
+          </p:nvPr>
+        </p:nvSpPr>
+        <p:spPr/>
+        <p:txBody>
+          <a:bodyPr/>
+          <a:lstStyle/>
+          <a:p>
+            <a:r>
+              <a:rPr lang="en-US" dirty="0" smtClean="0"/>
+              <a:t>Matchups are important</a:t>
+            </a:r>
+          </a:p>
+          <a:p>
+            <a:r>
+              <a:rPr lang="en-US" dirty="0" smtClean="0"/>
+              <a:t>Predict fantasy points by player against specific team</a:t>
+            </a:r>
+          </a:p>
+          <a:p>
+            <a:r>
+              <a:rPr lang="en-US" dirty="0" smtClean="0"/>
+              <a:t>Only use current year data</a:t>
+            </a:r>
+          </a:p>
+          <a:p>
+            <a:r>
+              <a:rPr lang="en-US" dirty="0" smtClean="0"/>
+              <a:t>Bootstrapping allows for distribution of predicted scores</a:t>
+            </a:r>
+            <a:endParaRPr lang="en-US" dirty="0"/>
+          </a:p>
+        </p:txBody>
+      </p:sp>
+      <p:sp>
+        <p:nvSpPr>
+          <p:cNvPr id="4" name="Slide Number Placeholder 3"/>
+          <p:cNvSpPr>
+            <a:spLocks noGrp="1"/>
+          </p:cNvSpPr>
+          <p:nvPr>
+            <p:ph type="sldNum" sz="quarter" idx="12"/>
+          </p:nvPr>
+        </p:nvSpPr>
+        <p:spPr/>
+        <p:txBody>
+          <a:bodyPr/>
+          <a:lstStyle/>
+          <a:p>
+            <a:fld id="{76B36E0C-19D0-DF43-BB60-D2653AA90B08}" type="slidenum">
+              <a:rPr lang="en-US" smtClean="0"/>
+              <a:pPr/>
+              <a:t>2</a:t>
+            </a:fld>
+            <a:endParaRPr lang="en-US"/>
+          </a:p>
+        </p:txBody>
+      </p:sp>
+    </p:spTree>
+  </p:cSld>
+  <p:clrMapOvr>
+    <a:masterClrMapping/>
+  </p:clrMapOvr>
+</p:sld>
+</file>
+
+<file path=ppt/slides/slide3.xml><?xml version="1.0" encoding="utf-8"?>
+<p:sld xmlns:a="http://schemas.openxmlformats.org/drawingml/2006/main" xmlns:r="http://schemas.openxmlformats.org/officeDocument/2006/relationships" xmlns:mc="http://schemas.openxmlformats.org/markup-compatibility/2006" xmlns:mv="urn:schemas-microsoft-com:mac:vml" xmlns:p="http://schemas.openxmlformats.org/presentationml/2006/main" mc:Ignorable="mv" mc:PreserveAttributes="mv:*">
+  <p:cSld>
+    <p:spTree>
+      <p:nvGrpSpPr>
+        <p:cNvPr id="1" name=""/>
+        <p:cNvGrpSpPr/>
+        <p:nvPr/>
+      </p:nvGrpSpPr>
+      <p:grpSpPr>
+        <a:xfrm>
+          <a:off x="0" y="0"/>
+          <a:ext cx="0" cy="0"/>
+          <a:chOff x="0" y="0"/>
+          <a:chExt cx="0" cy="0"/>
+        </a:xfrm>
+      </p:grpSpPr>
+      <p:sp>
+        <p:nvSpPr>
+          <p:cNvPr id="2" name="Title 1"/>
+          <p:cNvSpPr>
+            <a:spLocks noGrp="1"/>
+          </p:cNvSpPr>
+          <p:nvPr>
+            <p:ph type="title"/>
+          </p:nvPr>
+        </p:nvSpPr>
+        <p:spPr/>
+        <p:txBody>
+          <a:bodyPr/>
+          <a:lstStyle/>
+          <a:p>
+            <a:r>
+              <a:rPr lang="en-US" dirty="0" smtClean="0"/>
+              <a:t>Week 10 QB Predictions</a:t>
+            </a:r>
+            <a:endParaRPr lang="en-US" dirty="0"/>
+          </a:p>
+        </p:txBody>
+      </p:sp>
+      <p:pic>
+        <p:nvPicPr>
+          <p:cNvPr id="4" name="Content Placeholder 3" descr="PredictionPic.tiff"/>
+          <p:cNvPicPr>
+            <a:picLocks noGrp="1" noChangeAspect="1"/>
+          </p:cNvPicPr>
+          <p:nvPr>
+            <p:ph idx="1"/>
+          </p:nvPr>
+        </p:nvPicPr>
+        <p:blipFill>
+          <a:blip r:embed="rId2"/>
+          <a:srcRect l="-25794" r="-25794"/>
+          <a:stretch>
+            <a:fillRect/>
+          </a:stretch>
+        </p:blipFill>
+        <p:spPr>
+          <a:xfrm>
+            <a:off x="-472862" y="1253652"/>
+            <a:ext cx="9940562" cy="5466926"/>
+          </a:xfrm>
+        </p:spPr>
+      </p:pic>
+      <p:sp>
+        <p:nvSpPr>
+          <p:cNvPr id="5" name="Slide Number Placeholder 4"/>
+          <p:cNvSpPr>
+            <a:spLocks noGrp="1"/>
+          </p:cNvSpPr>
+          <p:nvPr>
+            <p:ph type="sldNum" sz="quarter" idx="12"/>
+          </p:nvPr>
+        </p:nvSpPr>
+        <p:spPr/>
+        <p:txBody>
+          <a:bodyPr/>
+          <a:lstStyle/>
+          <a:p>
+            <a:fld id="{76B36E0C-19D0-DF43-BB60-D2653AA90B08}" type="slidenum">
+              <a:rPr lang="en-US" smtClean="0"/>
+              <a:pPr/>
+              <a:t>3</a:t>
+            </a:fld>
+            <a:endParaRPr lang="en-US"/>
+          </a:p>
+        </p:txBody>
+      </p:sp>
+    </p:spTree>
+  </p:cSld>
+  <p:clrMapOvr>
+    <a:masterClrMapping/>
+  </p:clrMapOvr>
+</p:sld>
+</file>
+
+<file path=ppt/slides/slide4.xml><?xml version="1.0" encoding="utf-8"?>
+<p:sld xmlns:a="http://schemas.openxmlformats.org/drawingml/2006/main" xmlns:r="http://schemas.openxmlformats.org/officeDocument/2006/relationships" xmlns:mc="http://schemas.openxmlformats.org/markup-compatibility/2006" xmlns:mv="urn:schemas-microsoft-com:mac:vml" xmlns:p="http://schemas.openxmlformats.org/presentationml/2006/main" mc:Ignorable="mv" mc:PreserveAttributes="mv:*">
+  <p:cSld>
+    <p:spTree>
+      <p:nvGrpSpPr>
+        <p:cNvPr id="1" name=""/>
+        <p:cNvGrpSpPr/>
+        <p:nvPr/>
+      </p:nvGrpSpPr>
+      <p:grpSpPr>
+        <a:xfrm>
+          <a:off x="0" y="0"/>
+          <a:ext cx="0" cy="0"/>
+          <a:chOff x="0" y="0"/>
+          <a:chExt cx="0" cy="0"/>
+        </a:xfrm>
+      </p:grpSpPr>
+      <p:sp>
+        <p:nvSpPr>
+          <p:cNvPr id="2" name="Title 1"/>
+          <p:cNvSpPr>
+            <a:spLocks noGrp="1"/>
+          </p:cNvSpPr>
+          <p:nvPr>
+            <p:ph type="title"/>
+          </p:nvPr>
+        </p:nvSpPr>
+        <p:spPr/>
+        <p:txBody>
+          <a:bodyPr/>
+          <a:lstStyle/>
+          <a:p>
+            <a:r>
+              <a:rPr lang="en-US" dirty="0" smtClean="0"/>
+              <a:t>Accuracy (Playing Quarterbacks)</a:t>
+            </a:r>
+            <a:endParaRPr lang="en-US" dirty="0"/>
+          </a:p>
+        </p:txBody>
+      </p:sp>
+      <p:sp>
+        <p:nvSpPr>
+          <p:cNvPr id="15" name="Slide Number Placeholder 14"/>
+          <p:cNvSpPr>
+            <a:spLocks noGrp="1"/>
+          </p:cNvSpPr>
+          <p:nvPr>
+            <p:ph type="sldNum" sz="quarter" idx="12"/>
+          </p:nvPr>
+        </p:nvSpPr>
+        <p:spPr/>
+        <p:txBody>
+          <a:bodyPr/>
+          <a:lstStyle/>
+          <a:p>
+            <a:fld id="{76B36E0C-19D0-DF43-BB60-D2653AA90B08}" type="slidenum">
+              <a:rPr lang="en-US" smtClean="0"/>
+              <a:pPr/>
+              <a:t>4</a:t>
+            </a:fld>
+            <a:endParaRPr lang="en-US"/>
+          </a:p>
+        </p:txBody>
+      </p:sp>
+      <p:pic>
+        <p:nvPicPr>
+          <p:cNvPr id="16" name="Picture 15" descr="latex-image-1.pdf"/>
+          <p:cNvPicPr>
+            <a:picLocks noChangeAspect="1"/>
+          </p:cNvPicPr>
+          <p:nvPr/>
+        </p:nvPicPr>
+        <mc:AlternateContent>
+          <mc:Choice xmlns:ma="http://schemas.microsoft.com/office/mac/drawingml/2008/main" Requires="ma">
+            <p:blipFill>
+              <a:blip r:embed="rId2"/>
+              <a:stretch>
+                <a:fillRect/>
+              </a:stretch>
+            </p:blipFill>
+          </mc:Choice>
+          <mc:Fallback>
+            <p:blipFill>
+              <a:blip r:embed="rId3"/>
+              <a:stretch>
+                <a:fillRect/>
+              </a:stretch>
+            </p:blipFill>
+          </mc:Fallback>
+        </mc:AlternateContent>
+        <p:spPr>
+          <a:xfrm>
+            <a:off x="2444256" y="1747538"/>
+            <a:ext cx="4635500" cy="1231900"/>
+          </a:xfrm>
+          <a:prstGeom prst="rect">
+            <a:avLst/>
+          </a:prstGeom>
+        </p:spPr>
+      </p:pic>
+      <p:pic>
+        <p:nvPicPr>
+          <p:cNvPr id="6" name="Picture 5" descr="latex-image-1.pdf"/>
+          <p:cNvPicPr>
+            <a:picLocks noChangeAspect="1"/>
+          </p:cNvPicPr>
+          <p:nvPr/>
+        </p:nvPicPr>
+        <mc:AlternateContent>
+          <mc:Choice xmlns:ma="http://schemas.microsoft.com/office/mac/drawingml/2008/main" Requires="ma">
+            <p:blipFill>
+              <a:blip r:embed="rId4"/>
+              <a:stretch>
+                <a:fillRect/>
+              </a:stretch>
+            </p:blipFill>
+          </mc:Choice>
+          <mc:Fallback>
+            <p:blipFill>
+              <a:blip r:embed="rId5"/>
+              <a:stretch>
+                <a:fillRect/>
+              </a:stretch>
+            </p:blipFill>
+          </mc:Fallback>
+        </mc:AlternateContent>
+        <p:spPr>
+          <a:xfrm>
+            <a:off x="539830" y="3625850"/>
+            <a:ext cx="8064500" cy="1524000"/>
+          </a:xfrm>
+          <a:prstGeom prst="rect">
+            <a:avLst/>
+          </a:prstGeom>
+        </p:spPr>
+      </p:pic>
+    </p:spTree>
+  </p:cSld>
+  <p:clrMapOvr>
+    <a:masterClrMapping/>
+  </p:clrMapOvr>
+</p:sld>
+</file>
+
+<file path=ppt/slides/slide5.xml><?xml version="1.0" encoding="utf-8"?>
+<p:sld xmlns:a="http://schemas.openxmlformats.org/drawingml/2006/main" xmlns:r="http://schemas.openxmlformats.org/officeDocument/2006/relationships" xmlns:mc="http://schemas.openxmlformats.org/markup-compatibility/2006" xmlns:mv="urn:schemas-microsoft-com:mac:vml" xmlns:p="http://schemas.openxmlformats.org/presentationml/2006/main" mc:Ignorable="mv" mc:PreserveAttributes="mv:*">
+  <p:cSld>
+    <p:spTree>
+      <p:nvGrpSpPr>
+        <p:cNvPr id="1" name=""/>
+        <p:cNvGrpSpPr/>
+        <p:nvPr/>
+      </p:nvGrpSpPr>
+      <p:grpSpPr>
+        <a:xfrm>
+          <a:off x="0" y="0"/>
+          <a:ext cx="0" cy="0"/>
+          <a:chOff x="0" y="0"/>
+          <a:chExt cx="0" cy="0"/>
+        </a:xfrm>
+      </p:grpSpPr>
+      <p:sp>
+        <p:nvSpPr>
+          <p:cNvPr id="2" name="Title 1"/>
+          <p:cNvSpPr>
+            <a:spLocks noGrp="1"/>
+          </p:cNvSpPr>
+          <p:nvPr>
+            <p:ph type="title"/>
+          </p:nvPr>
+        </p:nvSpPr>
+        <p:spPr/>
+        <p:txBody>
+          <a:bodyPr/>
+          <a:lstStyle/>
+          <a:p>
+            <a:r>
+              <a:rPr lang="en-US" dirty="0" smtClean="0"/>
+              <a:t>Systematic Error in </a:t>
+            </a:r>
+            <a:r>
+              <a:rPr lang="en-US" dirty="0" err="1" smtClean="0"/>
+              <a:t>Pred</a:t>
+            </a:r>
+            <a:endParaRPr lang="en-US" dirty="0"/>
+          </a:p>
+        </p:txBody>
+      </p:sp>
+      <p:sp>
+        <p:nvSpPr>
+          <p:cNvPr id="3" name="Content Placeholder 2"/>
+          <p:cNvSpPr>
+            <a:spLocks noGrp="1"/>
+          </p:cNvSpPr>
+          <p:nvPr>
+            <p:ph idx="1"/>
+          </p:nvPr>
+        </p:nvSpPr>
+        <p:spPr/>
+        <p:txBody>
+          <a:bodyPr/>
+          <a:lstStyle/>
+          <a:p>
+            <a:r>
+              <a:rPr lang="en-US" dirty="0" smtClean="0"/>
+              <a:t>Historically, predicted scores have been lower than actual scores across the board</a:t>
+            </a:r>
+          </a:p>
+          <a:p>
+            <a:r>
+              <a:rPr lang="en-US" dirty="0" smtClean="0"/>
+              <a:t>In QB case this shift is about 4 fantasy points</a:t>
+            </a:r>
+          </a:p>
+          <a:p>
+            <a:pPr>
+              <a:buNone/>
+            </a:pPr>
+            <a:endParaRPr lang="en-US" dirty="0"/>
+          </a:p>
+        </p:txBody>
+      </p:sp>
+      <p:sp>
+        <p:nvSpPr>
+          <p:cNvPr id="6" name="Slide Number Placeholder 5"/>
+          <p:cNvSpPr>
+            <a:spLocks noGrp="1"/>
+          </p:cNvSpPr>
+          <p:nvPr>
+            <p:ph type="sldNum" sz="quarter" idx="12"/>
+          </p:nvPr>
+        </p:nvSpPr>
+        <p:spPr/>
+        <p:txBody>
+          <a:bodyPr/>
+          <a:lstStyle/>
+          <a:p>
+            <a:fld id="{76B36E0C-19D0-DF43-BB60-D2653AA90B08}" type="slidenum">
+              <a:rPr lang="en-US" smtClean="0"/>
+              <a:pPr/>
+              <a:t>5</a:t>
+            </a:fld>
+            <a:endParaRPr lang="en-US"/>
+          </a:p>
+        </p:txBody>
+      </p:sp>
+      <p:pic>
+        <p:nvPicPr>
+          <p:cNvPr id="7" name="Picture 6" descr="latex-image-1.pdf"/>
+          <p:cNvPicPr>
+            <a:picLocks noChangeAspect="1"/>
+          </p:cNvPicPr>
+          <p:nvPr/>
+        </p:nvPicPr>
+        <mc:AlternateContent>
+          <mc:Choice xmlns:ma="http://schemas.microsoft.com/office/mac/drawingml/2008/main" Requires="ma">
+            <p:blipFill>
+              <a:blip r:embed="rId2"/>
+              <a:stretch>
+                <a:fillRect/>
+              </a:stretch>
+            </p:blipFill>
+          </mc:Choice>
+          <mc:Fallback>
+            <p:blipFill>
+              <a:blip r:embed="rId3"/>
+              <a:stretch>
+                <a:fillRect/>
+              </a:stretch>
+            </p:blipFill>
+          </mc:Fallback>
+        </mc:AlternateContent>
+        <p:spPr>
+          <a:xfrm>
+            <a:off x="490348" y="3971108"/>
+            <a:ext cx="8064500" cy="2006600"/>
+          </a:xfrm>
+          <a:prstGeom prst="rect">
+            <a:avLst/>
+          </a:prstGeom>
+        </p:spPr>
+      </p:pic>
+    </p:spTree>
+  </p:cSld>
+  <p:clrMapOvr>
+    <a:masterClrMapping/>
+  </p:clrMapOvr>
+</p:sld>
+</file>
+
+<file path=ppt/slides/slide6.xml><?xml version="1.0" encoding="utf-8"?>
+<p:sld xmlns:a="http://schemas.openxmlformats.org/drawingml/2006/main" xmlns:r="http://schemas.openxmlformats.org/officeDocument/2006/relationships" xmlns:mc="http://schemas.openxmlformats.org/markup-compatibility/2006" xmlns:mv="urn:schemas-microsoft-com:mac:vml" xmlns:p="http://schemas.openxmlformats.org/presentationml/2006/main" mc:Ignorable="mv" mc:PreserveAttributes="mv:*">
+  <p:cSld>
+    <p:spTree>
+      <p:nvGrpSpPr>
+        <p:cNvPr id="1" name=""/>
+        <p:cNvGrpSpPr/>
+        <p:nvPr/>
+      </p:nvGrpSpPr>
+      <p:grpSpPr>
+        <a:xfrm>
+          <a:off x="0" y="0"/>
+          <a:ext cx="0" cy="0"/>
+          <a:chOff x="0" y="0"/>
+          <a:chExt cx="0" cy="0"/>
+        </a:xfrm>
+      </p:grpSpPr>
+      <p:sp>
+        <p:nvSpPr>
+          <p:cNvPr id="2" name="Title 1"/>
+          <p:cNvSpPr>
+            <a:spLocks noGrp="1"/>
+          </p:cNvSpPr>
+          <p:nvPr>
+            <p:ph type="title"/>
+          </p:nvPr>
+        </p:nvSpPr>
+        <p:spPr/>
+        <p:txBody>
+          <a:bodyPr/>
+          <a:lstStyle/>
+          <a:p>
+            <a:r>
+              <a:rPr lang="en-US" dirty="0" smtClean="0"/>
+              <a:t>Probability of Winning Matchup</a:t>
+            </a:r>
+            <a:endParaRPr lang="en-US" dirty="0"/>
+          </a:p>
+        </p:txBody>
+      </p:sp>
+      <p:sp>
+        <p:nvSpPr>
+          <p:cNvPr id="3" name="Content Placeholder 2"/>
+          <p:cNvSpPr>
+            <a:spLocks noGrp="1"/>
+          </p:cNvSpPr>
+          <p:nvPr>
+            <p:ph sz="half" idx="1"/>
+          </p:nvPr>
+        </p:nvSpPr>
+        <p:spPr/>
+        <p:txBody>
+          <a:bodyPr>
+            <a:normAutofit lnSpcReduction="10000"/>
+          </a:bodyPr>
+          <a:lstStyle/>
+          <a:p>
+            <a:r>
+              <a:rPr lang="en-US" dirty="0" smtClean="0"/>
+              <a:t>Prediction gives distribution of possible scores</a:t>
+            </a:r>
+          </a:p>
+          <a:p>
+            <a:r>
+              <a:rPr lang="en-US" dirty="0" smtClean="0"/>
+              <a:t>Monte Carlo Simulation</a:t>
+            </a:r>
+          </a:p>
+          <a:p>
+            <a:r>
+              <a:rPr lang="en-US" dirty="0" smtClean="0"/>
+              <a:t>See how scores of correlated players distort the score probability distributions</a:t>
+            </a:r>
+          </a:p>
+          <a:p>
+            <a:pPr lvl="1"/>
+            <a:r>
+              <a:rPr lang="en-US" dirty="0" smtClean="0"/>
+              <a:t>Not enough data to treat individual player combination</a:t>
+            </a:r>
+          </a:p>
+          <a:p>
+            <a:endParaRPr lang="en-US" dirty="0"/>
+          </a:p>
+        </p:txBody>
+      </p:sp>
+      <p:pic>
+        <p:nvPicPr>
+          <p:cNvPr id="6" name="Content Placeholder 5" descr="tomBweek10Pred.pdf"/>
+          <p:cNvPicPr>
+            <a:picLocks noGrp="1" noChangeAspect="1"/>
+          </p:cNvPicPr>
+          <p:nvPr>
+            <p:ph sz="half" idx="2"/>
+          </p:nvPr>
+        </p:nvPicPr>
+        <mc:AlternateContent>
+          <mc:Choice xmlns:ma="http://schemas.microsoft.com/office/mac/drawingml/2008/main" Requires="ma">
+            <p:blipFill>
+              <a:blip r:embed="rId2"/>
+              <a:srcRect t="-34051" b="-34051"/>
+              <a:stretch>
+                <a:fillRect/>
+              </a:stretch>
+            </p:blipFill>
+          </mc:Choice>
+          <mc:Fallback>
+            <p:blipFill>
+              <a:blip r:embed="rId3"/>
+              <a:srcRect t="-34051" b="-34051"/>
+              <a:stretch>
+                <a:fillRect/>
+              </a:stretch>
+            </p:blipFill>
+          </mc:Fallback>
+        </mc:AlternateContent>
+        <p:spPr>
+          <a:xfrm>
+            <a:off x="4351307" y="939372"/>
+            <a:ext cx="5027007" cy="5633647"/>
+          </a:xfrm>
+        </p:spPr>
+      </p:pic>
+      <p:sp>
+        <p:nvSpPr>
+          <p:cNvPr id="4" name="Slide Number Placeholder 3"/>
+          <p:cNvSpPr>
+            <a:spLocks noGrp="1"/>
+          </p:cNvSpPr>
+          <p:nvPr>
+            <p:ph type="sldNum" sz="quarter" idx="12"/>
+          </p:nvPr>
+        </p:nvSpPr>
+        <p:spPr/>
+        <p:txBody>
+          <a:bodyPr/>
+          <a:lstStyle/>
+          <a:p>
+            <a:fld id="{76B36E0C-19D0-DF43-BB60-D2653AA90B08}" type="slidenum">
+              <a:rPr lang="en-US" smtClean="0"/>
+              <a:pPr/>
+              <a:t>6</a:t>
+            </a:fld>
+            <a:endParaRPr lang="en-US"/>
+          </a:p>
+        </p:txBody>
+      </p:sp>
+    </p:spTree>
+  </p:cSld>
+  <p:clrMapOvr>
+    <a:masterClrMapping/>
+  </p:clrMapOvr>
+  <p:timing>
+    <p:tnLst>
+      <p:par>
+        <p:cTn id="1" dur="indefinite" restart="never" nodeType="tmRoot"/>
+      </p:par>
+    </p:tnLst>
+  </p:timing>
+</p:sld>
+</file>
+
+<file path=ppt/slides/slide7.xml><?xml version="1.0" encoding="utf-8"?>
+<p:sld xmlns:a="http://schemas.openxmlformats.org/drawingml/2006/main" xmlns:r="http://schemas.openxmlformats.org/officeDocument/2006/relationships" xmlns:mc="http://schemas.openxmlformats.org/markup-compatibility/2006" xmlns:mv="urn:schemas-microsoft-com:mac:vml" xmlns:p="http://schemas.openxmlformats.org/presentationml/2006/main" mc:Ignorable="mv" mc:PreserveAttributes="mv:*">
+  <p:cSld>
+    <p:spTree>
+      <p:nvGrpSpPr>
+        <p:cNvPr id="1" name=""/>
+        <p:cNvGrpSpPr/>
+        <p:nvPr/>
+      </p:nvGrpSpPr>
+      <p:grpSpPr>
+        <a:xfrm>
+          <a:off x="0" y="0"/>
+          <a:ext cx="0" cy="0"/>
+          <a:chOff x="0" y="0"/>
+          <a:chExt cx="0" cy="0"/>
+        </a:xfrm>
+      </p:grpSpPr>
+      <p:sp>
+        <p:nvSpPr>
+          <p:cNvPr id="4" name="Title 3"/>
+          <p:cNvSpPr>
+            <a:spLocks noGrp="1"/>
+          </p:cNvSpPr>
+          <p:nvPr>
+            <p:ph type="title"/>
+          </p:nvPr>
+        </p:nvSpPr>
+        <p:spPr/>
+        <p:txBody>
+          <a:bodyPr/>
+          <a:lstStyle/>
+          <a:p>
+            <a:r>
+              <a:rPr lang="en-US" dirty="0" smtClean="0"/>
+              <a:t>Improvements </a:t>
+            </a:r>
+            <a:endParaRPr lang="en-US" dirty="0"/>
+          </a:p>
+        </p:txBody>
+      </p:sp>
+      <p:sp>
+        <p:nvSpPr>
+          <p:cNvPr id="5" name="Content Placeholder 4"/>
+          <p:cNvSpPr>
+            <a:spLocks noGrp="1"/>
+          </p:cNvSpPr>
+          <p:nvPr>
+            <p:ph idx="1"/>
+          </p:nvPr>
+        </p:nvSpPr>
+        <p:spPr/>
+        <p:txBody>
+          <a:bodyPr/>
+          <a:lstStyle/>
+          <a:p>
+            <a:r>
+              <a:rPr lang="en-US" dirty="0" smtClean="0"/>
+              <a:t>Add weighting to cost function to emphasize recent games.</a:t>
+            </a:r>
+          </a:p>
+          <a:p>
+            <a:r>
+              <a:rPr lang="en-US" dirty="0" smtClean="0"/>
+              <a:t>Handle Injured Players/replacements</a:t>
+            </a:r>
+          </a:p>
+          <a:p>
+            <a:pPr>
+              <a:buNone/>
+            </a:pPr>
+            <a:endParaRPr lang="en-US" dirty="0"/>
+          </a:p>
+        </p:txBody>
+      </p:sp>
+      <p:sp>
+        <p:nvSpPr>
+          <p:cNvPr id="6" name="Slide Number Placeholder 5"/>
+          <p:cNvSpPr>
+            <a:spLocks noGrp="1"/>
+          </p:cNvSpPr>
+          <p:nvPr>
+            <p:ph type="sldNum" sz="quarter" idx="12"/>
+          </p:nvPr>
+        </p:nvSpPr>
+        <p:spPr/>
+        <p:txBody>
+          <a:bodyPr/>
+          <a:lstStyle/>
+          <a:p>
+            <a:fld id="{76B36E0C-19D0-DF43-BB60-D2653AA90B08}" type="slidenum">
+              <a:rPr lang="en-US" smtClean="0"/>
+              <a:pPr/>
+              <a:t>7</a:t>
+            </a:fld>
+            <a:endParaRPr lang="en-US"/>
+          </a:p>
+        </p:txBody>
+      </p:sp>
+    </p:spTree>
+  </p:cSld>
+  <p:clrMapOvr>
+    <a:masterClrMapping/>
+  </p:clrMapOvr>
+</p:sld>
+</file>
+
+<file path=ppt/slides/slide8.xml><?xml version="1.0" encoding="utf-8"?>
 <p:sld xmlns:a="http://schemas.openxmlformats.org/drawingml/2006/main" xmlns:r="http://schemas.openxmlformats.org/officeDocument/2006/relationships" xmlns:mc="http://schemas.openxmlformats.org/markup-compatibility/2006" xmlns:mv="urn:schemas-microsoft-com:mac:vml" xmlns:p="http://schemas.openxmlformats.org/presentationml/2006/main" mc:Ignorable="mv" mc:PreserveAttributes="mv:*">
   <p:cSld>
     <p:spTree>
@@ -4218,703 +5132,7 @@
           <a:p>
             <a:fld id="{76B36E0C-19D0-DF43-BB60-D2653AA90B08}" type="slidenum">
               <a:rPr lang="en-US" smtClean="0"/>
-              <a:t>2</a:t>
-            </a:fld>
-            <a:endParaRPr lang="en-US"/>
-          </a:p>
-        </p:txBody>
-      </p:sp>
-    </p:spTree>
-  </p:cSld>
-  <p:clrMapOvr>
-    <a:masterClrMapping/>
-  </p:clrMapOvr>
-</p:sld>
-</file>
-
-<file path=ppt/slides/slide3.xml><?xml version="1.0" encoding="utf-8"?>
-<p:sld xmlns:a="http://schemas.openxmlformats.org/drawingml/2006/main" xmlns:r="http://schemas.openxmlformats.org/officeDocument/2006/relationships" xmlns:mc="http://schemas.openxmlformats.org/markup-compatibility/2006" xmlns:mv="urn:schemas-microsoft-com:mac:vml" xmlns:p="http://schemas.openxmlformats.org/presentationml/2006/main" mc:Ignorable="mv" mc:PreserveAttributes="mv:*">
-  <p:cSld>
-    <p:spTree>
-      <p:nvGrpSpPr>
-        <p:cNvPr id="1" name=""/>
-        <p:cNvGrpSpPr/>
-        <p:nvPr/>
-      </p:nvGrpSpPr>
-      <p:grpSpPr>
-        <a:xfrm>
-          <a:off x="0" y="0"/>
-          <a:ext cx="0" cy="0"/>
-          <a:chOff x="0" y="0"/>
-          <a:chExt cx="0" cy="0"/>
-        </a:xfrm>
-      </p:grpSpPr>
-      <p:sp>
-        <p:nvSpPr>
-          <p:cNvPr id="2" name="Title 1"/>
-          <p:cNvSpPr>
-            <a:spLocks noGrp="1"/>
-          </p:cNvSpPr>
-          <p:nvPr>
-            <p:ph type="title"/>
-          </p:nvPr>
-        </p:nvSpPr>
-        <p:spPr/>
-        <p:txBody>
-          <a:bodyPr/>
-          <a:lstStyle/>
-          <a:p>
-            <a:r>
-              <a:rPr lang="en-US" dirty="0" smtClean="0"/>
-              <a:t>Week 10 QB Predictions</a:t>
-            </a:r>
-            <a:endParaRPr lang="en-US" dirty="0"/>
-          </a:p>
-        </p:txBody>
-      </p:sp>
-      <p:pic>
-        <p:nvPicPr>
-          <p:cNvPr id="4" name="Content Placeholder 3" descr="PredictionPic.tiff"/>
-          <p:cNvPicPr>
-            <a:picLocks noGrp="1" noChangeAspect="1"/>
-          </p:cNvPicPr>
-          <p:nvPr>
-            <p:ph idx="1"/>
-          </p:nvPr>
-        </p:nvPicPr>
-        <p:blipFill>
-          <a:blip r:embed="rId2"/>
-          <a:srcRect l="-25794" r="-25794"/>
-          <a:stretch>
-            <a:fillRect/>
-          </a:stretch>
-        </p:blipFill>
-        <p:spPr>
-          <a:xfrm>
-            <a:off x="-472862" y="1253652"/>
-            <a:ext cx="9940562" cy="5466926"/>
-          </a:xfrm>
-        </p:spPr>
-      </p:pic>
-      <p:sp>
-        <p:nvSpPr>
-          <p:cNvPr id="5" name="Slide Number Placeholder 4"/>
-          <p:cNvSpPr>
-            <a:spLocks noGrp="1"/>
-          </p:cNvSpPr>
-          <p:nvPr>
-            <p:ph type="sldNum" sz="quarter" idx="12"/>
-          </p:nvPr>
-        </p:nvSpPr>
-        <p:spPr/>
-        <p:txBody>
-          <a:bodyPr/>
-          <a:lstStyle/>
-          <a:p>
-            <a:fld id="{76B36E0C-19D0-DF43-BB60-D2653AA90B08}" type="slidenum">
-              <a:rPr lang="en-US" smtClean="0"/>
-              <a:t>3</a:t>
-            </a:fld>
-            <a:endParaRPr lang="en-US"/>
-          </a:p>
-        </p:txBody>
-      </p:sp>
-    </p:spTree>
-  </p:cSld>
-  <p:clrMapOvr>
-    <a:masterClrMapping/>
-  </p:clrMapOvr>
-</p:sld>
-</file>
-
-<file path=ppt/slides/slide4.xml><?xml version="1.0" encoding="utf-8"?>
-<p:sld xmlns:a="http://schemas.openxmlformats.org/drawingml/2006/main" xmlns:r="http://schemas.openxmlformats.org/officeDocument/2006/relationships" xmlns:mc="http://schemas.openxmlformats.org/markup-compatibility/2006" xmlns:mv="urn:schemas-microsoft-com:mac:vml" xmlns:p="http://schemas.openxmlformats.org/presentationml/2006/main" mc:Ignorable="mv" mc:PreserveAttributes="mv:*">
-  <p:cSld>
-    <p:spTree>
-      <p:nvGrpSpPr>
-        <p:cNvPr id="1" name=""/>
-        <p:cNvGrpSpPr/>
-        <p:nvPr/>
-      </p:nvGrpSpPr>
-      <p:grpSpPr>
-        <a:xfrm>
-          <a:off x="0" y="0"/>
-          <a:ext cx="0" cy="0"/>
-          <a:chOff x="0" y="0"/>
-          <a:chExt cx="0" cy="0"/>
-        </a:xfrm>
-      </p:grpSpPr>
-      <p:sp>
-        <p:nvSpPr>
-          <p:cNvPr id="2" name="Title 1"/>
-          <p:cNvSpPr>
-            <a:spLocks noGrp="1"/>
-          </p:cNvSpPr>
-          <p:nvPr>
-            <p:ph type="title"/>
-          </p:nvPr>
-        </p:nvSpPr>
-        <p:spPr/>
-        <p:txBody>
-          <a:bodyPr/>
-          <a:lstStyle/>
-          <a:p>
-            <a:r>
-              <a:rPr lang="en-US" dirty="0" smtClean="0"/>
-              <a:t>Accuracy (Playing Quarterbacks)</a:t>
-            </a:r>
-            <a:endParaRPr lang="en-US" dirty="0"/>
-          </a:p>
-        </p:txBody>
-      </p:sp>
-      <p:sp>
-        <p:nvSpPr>
-          <p:cNvPr id="15" name="Slide Number Placeholder 14"/>
-          <p:cNvSpPr>
-            <a:spLocks noGrp="1"/>
-          </p:cNvSpPr>
-          <p:nvPr>
-            <p:ph type="sldNum" sz="quarter" idx="12"/>
-          </p:nvPr>
-        </p:nvSpPr>
-        <p:spPr/>
-        <p:txBody>
-          <a:bodyPr/>
-          <a:lstStyle/>
-          <a:p>
-            <a:fld id="{76B36E0C-19D0-DF43-BB60-D2653AA90B08}" type="slidenum">
-              <a:rPr lang="en-US" smtClean="0"/>
-              <a:t>4</a:t>
-            </a:fld>
-            <a:endParaRPr lang="en-US"/>
-          </a:p>
-        </p:txBody>
-      </p:sp>
-      <p:pic>
-        <p:nvPicPr>
-          <p:cNvPr id="16" name="Picture 15" descr="latex-image-1.pdf"/>
-          <p:cNvPicPr>
-            <a:picLocks noChangeAspect="1"/>
-          </p:cNvPicPr>
-          <p:nvPr/>
-        </p:nvPicPr>
-        <mc:AlternateContent>
-          <mc:Choice xmlns:ma="http://schemas.microsoft.com/office/mac/drawingml/2008/main" Requires="ma">
-            <p:blipFill>
-              <a:blip r:embed="rId2"/>
-              <a:stretch>
-                <a:fillRect/>
-              </a:stretch>
-            </p:blipFill>
-          </mc:Choice>
-          <mc:Fallback>
-            <p:blipFill>
-              <a:blip r:embed="rId3"/>
-              <a:stretch>
-                <a:fillRect/>
-              </a:stretch>
-            </p:blipFill>
-          </mc:Fallback>
-        </mc:AlternateContent>
-        <p:spPr>
-          <a:xfrm>
-            <a:off x="2444256" y="1747538"/>
-            <a:ext cx="4635500" cy="1231900"/>
-          </a:xfrm>
-          <a:prstGeom prst="rect">
-            <a:avLst/>
-          </a:prstGeom>
-        </p:spPr>
-      </p:pic>
-      <p:pic>
-        <p:nvPicPr>
-          <p:cNvPr id="6" name="Picture 5" descr="latex-image-1.pdf"/>
-          <p:cNvPicPr>
-            <a:picLocks noChangeAspect="1"/>
-          </p:cNvPicPr>
-          <p:nvPr/>
-        </p:nvPicPr>
-        <mc:AlternateContent>
-          <mc:Choice xmlns:ma="http://schemas.microsoft.com/office/mac/drawingml/2008/main" Requires="ma">
-            <p:blipFill>
-              <a:blip r:embed="rId4"/>
-              <a:stretch>
-                <a:fillRect/>
-              </a:stretch>
-            </p:blipFill>
-          </mc:Choice>
-          <mc:Fallback>
-            <p:blipFill>
-              <a:blip r:embed="rId5"/>
-              <a:stretch>
-                <a:fillRect/>
-              </a:stretch>
-            </p:blipFill>
-          </mc:Fallback>
-        </mc:AlternateContent>
-        <p:spPr>
-          <a:xfrm>
-            <a:off x="539830" y="3625850"/>
-            <a:ext cx="8064500" cy="1524000"/>
-          </a:xfrm>
-          <a:prstGeom prst="rect">
-            <a:avLst/>
-          </a:prstGeom>
-        </p:spPr>
-      </p:pic>
-    </p:spTree>
-  </p:cSld>
-  <p:clrMapOvr>
-    <a:masterClrMapping/>
-  </p:clrMapOvr>
-</p:sld>
-</file>
-
-<file path=ppt/slides/slide5.xml><?xml version="1.0" encoding="utf-8"?>
-<p:sld xmlns:a="http://schemas.openxmlformats.org/drawingml/2006/main" xmlns:r="http://schemas.openxmlformats.org/officeDocument/2006/relationships" xmlns:mc="http://schemas.openxmlformats.org/markup-compatibility/2006" xmlns:mv="urn:schemas-microsoft-com:mac:vml" xmlns:p="http://schemas.openxmlformats.org/presentationml/2006/main" mc:Ignorable="mv" mc:PreserveAttributes="mv:*">
-  <p:cSld>
-    <p:spTree>
-      <p:nvGrpSpPr>
-        <p:cNvPr id="1" name=""/>
-        <p:cNvGrpSpPr/>
-        <p:nvPr/>
-      </p:nvGrpSpPr>
-      <p:grpSpPr>
-        <a:xfrm>
-          <a:off x="0" y="0"/>
-          <a:ext cx="0" cy="0"/>
-          <a:chOff x="0" y="0"/>
-          <a:chExt cx="0" cy="0"/>
-        </a:xfrm>
-      </p:grpSpPr>
-      <p:sp>
-        <p:nvSpPr>
-          <p:cNvPr id="2" name="Title 1"/>
-          <p:cNvSpPr>
-            <a:spLocks noGrp="1"/>
-          </p:cNvSpPr>
-          <p:nvPr>
-            <p:ph type="title"/>
-          </p:nvPr>
-        </p:nvSpPr>
-        <p:spPr/>
-        <p:txBody>
-          <a:bodyPr/>
-          <a:lstStyle/>
-          <a:p>
-            <a:r>
-              <a:rPr lang="en-US" dirty="0" smtClean="0"/>
-              <a:t>Systematic Error in </a:t>
-            </a:r>
-            <a:r>
-              <a:rPr lang="en-US" dirty="0" err="1" smtClean="0"/>
-              <a:t>Pred</a:t>
-            </a:r>
-            <a:endParaRPr lang="en-US" dirty="0"/>
-          </a:p>
-        </p:txBody>
-      </p:sp>
-      <p:sp>
-        <p:nvSpPr>
-          <p:cNvPr id="3" name="Content Placeholder 2"/>
-          <p:cNvSpPr>
-            <a:spLocks noGrp="1"/>
-          </p:cNvSpPr>
-          <p:nvPr>
-            <p:ph idx="1"/>
-          </p:nvPr>
-        </p:nvSpPr>
-        <p:spPr/>
-        <p:txBody>
-          <a:bodyPr/>
-          <a:lstStyle/>
-          <a:p>
-            <a:r>
-              <a:rPr lang="en-US" dirty="0" smtClean="0"/>
-              <a:t>Historically, predicted scores have been lower than actual scores across the board</a:t>
-            </a:r>
-          </a:p>
-          <a:p>
-            <a:r>
-              <a:rPr lang="en-US" dirty="0" smtClean="0"/>
-              <a:t>In QB case this shift is about 4 fantasy points</a:t>
-            </a:r>
-          </a:p>
-          <a:p>
-            <a:pPr>
-              <a:buNone/>
-            </a:pPr>
-            <a:endParaRPr lang="en-US" dirty="0"/>
-          </a:p>
-        </p:txBody>
-      </p:sp>
-      <p:sp>
-        <p:nvSpPr>
-          <p:cNvPr id="6" name="Slide Number Placeholder 5"/>
-          <p:cNvSpPr>
-            <a:spLocks noGrp="1"/>
-          </p:cNvSpPr>
-          <p:nvPr>
-            <p:ph type="sldNum" sz="quarter" idx="12"/>
-          </p:nvPr>
-        </p:nvSpPr>
-        <p:spPr/>
-        <p:txBody>
-          <a:bodyPr/>
-          <a:lstStyle/>
-          <a:p>
-            <a:fld id="{76B36E0C-19D0-DF43-BB60-D2653AA90B08}" type="slidenum">
-              <a:rPr lang="en-US" smtClean="0"/>
-              <a:t>5</a:t>
-            </a:fld>
-            <a:endParaRPr lang="en-US"/>
-          </a:p>
-        </p:txBody>
-      </p:sp>
-      <p:pic>
-        <p:nvPicPr>
-          <p:cNvPr id="7" name="Picture 6" descr="latex-image-1.pdf"/>
-          <p:cNvPicPr>
-            <a:picLocks noChangeAspect="1"/>
-          </p:cNvPicPr>
-          <p:nvPr/>
-        </p:nvPicPr>
-        <mc:AlternateContent>
-          <mc:Choice xmlns:ma="http://schemas.microsoft.com/office/mac/drawingml/2008/main" Requires="ma">
-            <p:blipFill>
-              <a:blip r:embed="rId2"/>
-              <a:stretch>
-                <a:fillRect/>
-              </a:stretch>
-            </p:blipFill>
-          </mc:Choice>
-          <mc:Fallback>
-            <p:blipFill>
-              <a:blip r:embed="rId3"/>
-              <a:stretch>
-                <a:fillRect/>
-              </a:stretch>
-            </p:blipFill>
-          </mc:Fallback>
-        </mc:AlternateContent>
-        <p:spPr>
-          <a:xfrm>
-            <a:off x="490348" y="3971108"/>
-            <a:ext cx="8064500" cy="2006600"/>
-          </a:xfrm>
-          <a:prstGeom prst="rect">
-            <a:avLst/>
-          </a:prstGeom>
-        </p:spPr>
-      </p:pic>
-    </p:spTree>
-  </p:cSld>
-  <p:clrMapOvr>
-    <a:masterClrMapping/>
-  </p:clrMapOvr>
-</p:sld>
-</file>
-
-<file path=ppt/slides/slide6.xml><?xml version="1.0" encoding="utf-8"?>
-<p:sld xmlns:a="http://schemas.openxmlformats.org/drawingml/2006/main" xmlns:r="http://schemas.openxmlformats.org/officeDocument/2006/relationships" xmlns:mc="http://schemas.openxmlformats.org/markup-compatibility/2006" xmlns:mv="urn:schemas-microsoft-com:mac:vml" xmlns:p="http://schemas.openxmlformats.org/presentationml/2006/main" mc:Ignorable="mv" mc:PreserveAttributes="mv:*">
-  <p:cSld>
-    <p:spTree>
-      <p:nvGrpSpPr>
-        <p:cNvPr id="1" name=""/>
-        <p:cNvGrpSpPr/>
-        <p:nvPr/>
-      </p:nvGrpSpPr>
-      <p:grpSpPr>
-        <a:xfrm>
-          <a:off x="0" y="0"/>
-          <a:ext cx="0" cy="0"/>
-          <a:chOff x="0" y="0"/>
-          <a:chExt cx="0" cy="0"/>
-        </a:xfrm>
-      </p:grpSpPr>
-      <p:sp>
-        <p:nvSpPr>
-          <p:cNvPr id="2" name="Title 1"/>
-          <p:cNvSpPr>
-            <a:spLocks noGrp="1"/>
-          </p:cNvSpPr>
-          <p:nvPr>
-            <p:ph type="title"/>
-          </p:nvPr>
-        </p:nvSpPr>
-        <p:spPr/>
-        <p:txBody>
-          <a:bodyPr/>
-          <a:lstStyle/>
-          <a:p>
-            <a:r>
-              <a:rPr lang="en-US" dirty="0" smtClean="0"/>
-              <a:t>Probability of Winning Matchup</a:t>
-            </a:r>
-            <a:endParaRPr lang="en-US" dirty="0"/>
-          </a:p>
-        </p:txBody>
-      </p:sp>
-      <p:sp>
-        <p:nvSpPr>
-          <p:cNvPr id="3" name="Content Placeholder 2"/>
-          <p:cNvSpPr>
-            <a:spLocks noGrp="1"/>
-          </p:cNvSpPr>
-          <p:nvPr>
-            <p:ph sz="half" idx="1"/>
-          </p:nvPr>
-        </p:nvSpPr>
-        <p:spPr/>
-        <p:txBody>
-          <a:bodyPr>
-            <a:normAutofit lnSpcReduction="10000"/>
-          </a:bodyPr>
-          <a:lstStyle/>
-          <a:p>
-            <a:r>
-              <a:rPr lang="en-US" dirty="0" smtClean="0"/>
-              <a:t>Prediction gives distribution of possible scores</a:t>
-            </a:r>
-          </a:p>
-          <a:p>
-            <a:r>
-              <a:rPr lang="en-US" dirty="0" smtClean="0"/>
-              <a:t>Monte Carlo Simulation</a:t>
-            </a:r>
-          </a:p>
-          <a:p>
-            <a:r>
-              <a:rPr lang="en-US" dirty="0" smtClean="0"/>
-              <a:t>See how scores of correlated players distort the score probability distributions</a:t>
-            </a:r>
-          </a:p>
-          <a:p>
-            <a:pPr lvl="1"/>
-            <a:r>
-              <a:rPr lang="en-US" dirty="0" smtClean="0"/>
-              <a:t>Not enough data to treat individual player combination</a:t>
-            </a:r>
-          </a:p>
-          <a:p>
-            <a:endParaRPr lang="en-US" dirty="0"/>
-          </a:p>
-        </p:txBody>
-      </p:sp>
-      <p:pic>
-        <p:nvPicPr>
-          <p:cNvPr id="6" name="Content Placeholder 5" descr="tomBweek10Pred.pdf"/>
-          <p:cNvPicPr>
-            <a:picLocks noGrp="1" noChangeAspect="1"/>
-          </p:cNvPicPr>
-          <p:nvPr>
-            <p:ph sz="half" idx="2"/>
-          </p:nvPr>
-        </p:nvPicPr>
-        <mc:AlternateContent>
-          <mc:Choice xmlns:ma="http://schemas.microsoft.com/office/mac/drawingml/2008/main" Requires="ma">
-            <p:blipFill>
-              <a:blip r:embed="rId2"/>
-              <a:srcRect t="-34051" b="-34051"/>
-              <a:stretch>
-                <a:fillRect/>
-              </a:stretch>
-            </p:blipFill>
-          </mc:Choice>
-          <mc:Fallback>
-            <p:blipFill>
-              <a:blip r:embed="rId3"/>
-              <a:srcRect t="-34051" b="-34051"/>
-              <a:stretch>
-                <a:fillRect/>
-              </a:stretch>
-            </p:blipFill>
-          </mc:Fallback>
-        </mc:AlternateContent>
-        <p:spPr>
-          <a:xfrm>
-            <a:off x="4351307" y="939372"/>
-            <a:ext cx="5027007" cy="5633647"/>
-          </a:xfrm>
-        </p:spPr>
-      </p:pic>
-      <p:sp>
-        <p:nvSpPr>
-          <p:cNvPr id="4" name="Slide Number Placeholder 3"/>
-          <p:cNvSpPr>
-            <a:spLocks noGrp="1"/>
-          </p:cNvSpPr>
-          <p:nvPr>
-            <p:ph type="sldNum" sz="quarter" idx="12"/>
-          </p:nvPr>
-        </p:nvSpPr>
-        <p:spPr/>
-        <p:txBody>
-          <a:bodyPr/>
-          <a:lstStyle/>
-          <a:p>
-            <a:fld id="{76B36E0C-19D0-DF43-BB60-D2653AA90B08}" type="slidenum">
-              <a:rPr lang="en-US" smtClean="0"/>
-              <a:t>6</a:t>
-            </a:fld>
-            <a:endParaRPr lang="en-US"/>
-          </a:p>
-        </p:txBody>
-      </p:sp>
-    </p:spTree>
-  </p:cSld>
-  <p:clrMapOvr>
-    <a:masterClrMapping/>
-  </p:clrMapOvr>
-  <p:timing>
-    <p:tnLst>
-      <p:par>
-        <p:cTn id="1" dur="indefinite" restart="never" nodeType="tmRoot"/>
-      </p:par>
-    </p:tnLst>
-  </p:timing>
-</p:sld>
-</file>
-
-<file path=ppt/slides/slide7.xml><?xml version="1.0" encoding="utf-8"?>
-<p:sld xmlns:a="http://schemas.openxmlformats.org/drawingml/2006/main" xmlns:r="http://schemas.openxmlformats.org/officeDocument/2006/relationships" xmlns:mc="http://schemas.openxmlformats.org/markup-compatibility/2006" xmlns:mv="urn:schemas-microsoft-com:mac:vml" xmlns:p="http://schemas.openxmlformats.org/presentationml/2006/main" mc:Ignorable="mv" mc:PreserveAttributes="mv:*">
-  <p:cSld>
-    <p:spTree>
-      <p:nvGrpSpPr>
-        <p:cNvPr id="1" name=""/>
-        <p:cNvGrpSpPr/>
-        <p:nvPr/>
-      </p:nvGrpSpPr>
-      <p:grpSpPr>
-        <a:xfrm>
-          <a:off x="0" y="0"/>
-          <a:ext cx="0" cy="0"/>
-          <a:chOff x="0" y="0"/>
-          <a:chExt cx="0" cy="0"/>
-        </a:xfrm>
-      </p:grpSpPr>
-      <p:sp>
-        <p:nvSpPr>
-          <p:cNvPr id="4" name="Title 3"/>
-          <p:cNvSpPr>
-            <a:spLocks noGrp="1"/>
-          </p:cNvSpPr>
-          <p:nvPr>
-            <p:ph type="title"/>
-          </p:nvPr>
-        </p:nvSpPr>
-        <p:spPr/>
-        <p:txBody>
-          <a:bodyPr/>
-          <a:lstStyle/>
-          <a:p>
-            <a:r>
-              <a:rPr lang="en-US" dirty="0" smtClean="0"/>
-              <a:t>Improvements </a:t>
-            </a:r>
-            <a:endParaRPr lang="en-US" dirty="0"/>
-          </a:p>
-        </p:txBody>
-      </p:sp>
-      <p:sp>
-        <p:nvSpPr>
-          <p:cNvPr id="5" name="Content Placeholder 4"/>
-          <p:cNvSpPr>
-            <a:spLocks noGrp="1"/>
-          </p:cNvSpPr>
-          <p:nvPr>
-            <p:ph idx="1"/>
-          </p:nvPr>
-        </p:nvSpPr>
-        <p:spPr/>
-        <p:txBody>
-          <a:bodyPr/>
-          <a:lstStyle/>
-          <a:p>
-            <a:r>
-              <a:rPr lang="en-US" dirty="0" smtClean="0"/>
-              <a:t>Add weighting to cost function to emphasize recent games.</a:t>
-            </a:r>
-          </a:p>
-          <a:p>
-            <a:r>
-              <a:rPr lang="en-US" dirty="0" smtClean="0"/>
-              <a:t>Handle Injured Players/replacements</a:t>
-            </a:r>
-          </a:p>
-          <a:p>
-            <a:pPr>
-              <a:buNone/>
-            </a:pPr>
-            <a:endParaRPr lang="en-US" dirty="0"/>
-          </a:p>
-        </p:txBody>
-      </p:sp>
-      <p:sp>
-        <p:nvSpPr>
-          <p:cNvPr id="6" name="Slide Number Placeholder 5"/>
-          <p:cNvSpPr>
-            <a:spLocks noGrp="1"/>
-          </p:cNvSpPr>
-          <p:nvPr>
-            <p:ph type="sldNum" sz="quarter" idx="12"/>
-          </p:nvPr>
-        </p:nvSpPr>
-        <p:spPr/>
-        <p:txBody>
-          <a:bodyPr/>
-          <a:lstStyle/>
-          <a:p>
-            <a:fld id="{76B36E0C-19D0-DF43-BB60-D2653AA90B08}" type="slidenum">
-              <a:rPr lang="en-US" smtClean="0"/>
-              <a:t>7</a:t>
-            </a:fld>
-            <a:endParaRPr lang="en-US"/>
-          </a:p>
-        </p:txBody>
-      </p:sp>
-    </p:spTree>
-  </p:cSld>
-  <p:clrMapOvr>
-    <a:masterClrMapping/>
-  </p:clrMapOvr>
-</p:sld>
-</file>
-
-<file path=ppt/slides/slide8.xml><?xml version="1.0" encoding="utf-8"?>
-<p:sld xmlns:a="http://schemas.openxmlformats.org/drawingml/2006/main" xmlns:r="http://schemas.openxmlformats.org/officeDocument/2006/relationships" xmlns:mc="http://schemas.openxmlformats.org/markup-compatibility/2006" xmlns:mv="urn:schemas-microsoft-com:mac:vml" xmlns:p="http://schemas.openxmlformats.org/presentationml/2006/main" mc:Ignorable="mv" mc:PreserveAttributes="mv:*">
-  <p:cSld>
-    <p:spTree>
-      <p:nvGrpSpPr>
-        <p:cNvPr id="1" name=""/>
-        <p:cNvGrpSpPr/>
-        <p:nvPr/>
-      </p:nvGrpSpPr>
-      <p:grpSpPr>
-        <a:xfrm>
-          <a:off x="0" y="0"/>
-          <a:ext cx="0" cy="0"/>
-          <a:chOff x="0" y="0"/>
-          <a:chExt cx="0" cy="0"/>
-        </a:xfrm>
-      </p:grpSpPr>
-      <p:sp>
-        <p:nvSpPr>
-          <p:cNvPr id="2" name="Slide Number Placeholder 1"/>
-          <p:cNvSpPr>
-            <a:spLocks noGrp="1"/>
-          </p:cNvSpPr>
-          <p:nvPr>
-            <p:ph type="sldNum" sz="quarter" idx="12"/>
-          </p:nvPr>
-        </p:nvSpPr>
-        <p:spPr/>
-        <p:txBody>
-          <a:bodyPr/>
-          <a:lstStyle/>
-          <a:p>
-            <a:fld id="{76B36E0C-19D0-DF43-BB60-D2653AA90B08}" type="slidenum">
-              <a:rPr lang="en-US" smtClean="0"/>
+              <a:pPr/>
               <a:t>8</a:t>
             </a:fld>
             <a:endParaRPr lang="en-US"/>
@@ -4948,62 +5166,7 @@
       </p:grpSpPr>
       <p:sp>
         <p:nvSpPr>
-          <p:cNvPr id="2" name="Title 1"/>
-          <p:cNvSpPr>
-            <a:spLocks noGrp="1"/>
-          </p:cNvSpPr>
-          <p:nvPr>
-            <p:ph type="title"/>
-          </p:nvPr>
-        </p:nvSpPr>
-        <p:spPr/>
-        <p:txBody>
-          <a:bodyPr/>
-          <a:lstStyle/>
-          <a:p>
-            <a:r>
-              <a:rPr lang="en-US" dirty="0" smtClean="0"/>
-              <a:t>Tom Brady Week 10 Distribution</a:t>
-            </a:r>
-            <a:endParaRPr lang="en-US" dirty="0"/>
-          </a:p>
-        </p:txBody>
-      </p:sp>
-      <p:pic>
-        <p:nvPicPr>
-          <p:cNvPr id="4" name="Content Placeholder 3" descr="tomBweek10Pred.pdf"/>
-          <p:cNvPicPr>
-            <a:picLocks noGrp="1" noChangeAspect="1"/>
-          </p:cNvPicPr>
-          <p:nvPr>
-            <p:ph idx="1"/>
-          </p:nvPr>
-        </p:nvPicPr>
-        <mc:AlternateContent>
-          <mc:Choice xmlns:ma="http://schemas.microsoft.com/office/mac/drawingml/2008/main" Requires="ma">
-            <p:blipFill>
-              <a:blip r:embed="rId2"/>
-              <a:srcRect l="-10610" r="-10610"/>
-              <a:stretch>
-                <a:fillRect/>
-              </a:stretch>
-            </p:blipFill>
-          </mc:Choice>
-          <mc:Fallback>
-            <p:blipFill>
-              <a:blip r:embed="rId3"/>
-              <a:srcRect l="-10610" r="-10610"/>
-              <a:stretch>
-                <a:fillRect/>
-              </a:stretch>
-            </p:blipFill>
-          </mc:Fallback>
-        </mc:AlternateContent>
-        <p:spPr/>
-      </p:pic>
-      <p:sp>
-        <p:nvSpPr>
-          <p:cNvPr id="5" name="Slide Number Placeholder 4"/>
+          <p:cNvPr id="2" name="Slide Number Placeholder 1"/>
           <p:cNvSpPr>
             <a:spLocks noGrp="1"/>
           </p:cNvSpPr>
@@ -5018,6 +5181,7 @@
           <a:p>
             <a:fld id="{76B36E0C-19D0-DF43-BB60-D2653AA90B08}" type="slidenum">
               <a:rPr lang="en-US" smtClean="0"/>
+              <a:pPr/>
               <a:t>9</a:t>
             </a:fld>
             <a:endParaRPr lang="en-US"/>
@@ -5029,13 +5193,6 @@
   <p:clrMapOvr>
     <a:masterClrMapping/>
   </p:clrMapOvr>
-  <p:timing>
-    <p:tnLst>
-      <p:par>
-        <p:cTn id="1" dur="indefinite" restart="never" nodeType="tmRoot"/>
-      </p:par>
-    </p:tnLst>
-  </p:timing>
 </p:sld>
 </file>
 
